--- a/Présentation/Projet Gimbal.pptx
+++ b/Présentation/Projet Gimbal.pptx
@@ -111,6 +111,11 @@
       </a:defRPr>
     </a:lvl9pPr>
   </p:defaultTextStyle>
+  <p:extLst>
+    <p:ext uri="{EFAFB233-063F-42B5-8137-9DF3F51BA10A}">
+      <p15:sldGuideLst xmlns:p15="http://schemas.microsoft.com/office/powerpoint/2012/main"/>
+    </p:ext>
+  </p:extLst>
 </p:presentation>
 </file>
 
@@ -3600,7 +3605,7 @@
         </p:blipFill>
         <p:spPr bwMode="auto">
           <a:xfrm>
-            <a:off x="4381969" y="1514772"/>
+            <a:off x="4943486" y="1123973"/>
             <a:ext cx="2305027" cy="2305027"/>
           </a:xfrm>
           <a:prstGeom prst="rect">
@@ -3735,6 +3740,53 @@
           </a:p>
         </p:txBody>
       </p:sp>
+      <p:pic>
+        <p:nvPicPr>
+          <p:cNvPr id="5" name="Picture 4" descr="DJI DRONE AVATA - FLY SMART COMBO CASQUE FPV V2 de chez au meilleur prix |  Images Photo Cholet">
+            <a:extLst>
+              <a:ext uri="{FF2B5EF4-FFF2-40B4-BE49-F238E27FC236}">
+                <a16:creationId xmlns:a16="http://schemas.microsoft.com/office/drawing/2014/main" id="{AF327FED-0769-C7A8-3FD3-16C9F59257B3}"/>
+              </a:ext>
+            </a:extLst>
+          </p:cNvPr>
+          <p:cNvPicPr>
+            <a:picLocks noChangeAspect="1" noChangeArrowheads="1"/>
+          </p:cNvPicPr>
+          <p:nvPr/>
+        </p:nvPicPr>
+        <p:blipFill>
+          <a:blip r:embed="rId3">
+            <a:extLst>
+              <a:ext uri="{28A0092B-C50C-407E-A947-70E740481C1C}">
+                <a14:useLocalDpi xmlns:a14="http://schemas.microsoft.com/office/drawing/2010/main" val="0"/>
+              </a:ext>
+            </a:extLst>
+          </a:blip>
+          <a:srcRect/>
+          <a:stretch>
+            <a:fillRect/>
+          </a:stretch>
+        </p:blipFill>
+        <p:spPr bwMode="auto">
+          <a:xfrm>
+            <a:off x="4758061" y="4253629"/>
+            <a:ext cx="2483998" cy="2483998"/>
+          </a:xfrm>
+          <a:prstGeom prst="rect">
+            <a:avLst/>
+          </a:prstGeom>
+          <a:noFill/>
+          <a:extLst>
+            <a:ext uri="{909E8E84-426E-40DD-AFC4-6F175D3DCCD1}">
+              <a14:hiddenFill xmlns:a14="http://schemas.microsoft.com/office/drawing/2010/main">
+                <a:solidFill>
+                  <a:srgbClr val="FFFFFF"/>
+                </a:solidFill>
+              </a14:hiddenFill>
+            </a:ext>
+          </a:extLst>
+        </p:spPr>
+      </p:pic>
     </p:spTree>
     <p:extLst>
       <p:ext uri="{BB962C8B-B14F-4D97-AF65-F5344CB8AC3E}">
